--- a/Tugas-2-Kecerdasan-Artifisial-2108107010002.pptx
+++ b/Tugas-2-Kecerdasan-Artifisial-2108107010002.pptx
@@ -13792,7 +13792,7 @@
           </a:bodyPr>
           <a:lstStyle/>
           <a:p>
-            <a:pPr algn="just">
+            <a:pPr algn="ctr">
               <a:lnSpc>
                 <a:spcPts val="3779"/>
               </a:lnSpc>
@@ -13804,7 +13804,7 @@
                 </a:solidFill>
                 <a:latin typeface="Karnchang"/>
               </a:rPr>
-              <a:t>Ada 5 Hidden Layer, “Conv2D” kedua, ketiga, dan keempat, “Dense” pertama dan “Flatten”</a:t>
+              <a:t>Ada 4 Hidden Layer, “Conv2D” kedua, ketiga, dan keempat, dan  “Dense” pertama</a:t>
             </a:r>
           </a:p>
         </p:txBody>
@@ -16217,6 +16217,170 @@
                 <a:latin typeface="Karnchang"/>
               </a:rPr>
               <a:t>Universitas Syiah Kuala | FMIPA | S1-Informatika </a:t>
+            </a:r>
+          </a:p>
+        </p:txBody>
+      </p:sp>
+      <p:grpSp>
+        <p:nvGrpSpPr>
+          <p:cNvPr name="Group 35" id="35"/>
+          <p:cNvGrpSpPr/>
+          <p:nvPr/>
+        </p:nvGrpSpPr>
+        <p:grpSpPr>
+          <a:xfrm rot="0">
+            <a:off x="3204798" y="7585915"/>
+            <a:ext cx="11878404" cy="1437217"/>
+            <a:chOff x="0" y="0"/>
+            <a:chExt cx="3128469" cy="378526"/>
+          </a:xfrm>
+        </p:grpSpPr>
+        <p:sp>
+          <p:nvSpPr>
+            <p:cNvPr name="Freeform 36" id="36"/>
+            <p:cNvSpPr/>
+            <p:nvPr/>
+          </p:nvSpPr>
+          <p:spPr>
+            <a:xfrm flipH="false" flipV="false" rot="0">
+              <a:off x="0" y="0"/>
+              <a:ext cx="3128469" cy="378526"/>
+            </a:xfrm>
+            <a:custGeom>
+              <a:avLst/>
+              <a:gdLst/>
+              <a:ahLst/>
+              <a:cxnLst/>
+              <a:rect r="r" b="b" t="t" l="l"/>
+              <a:pathLst>
+                <a:path h="378526" w="3128469">
+                  <a:moveTo>
+                    <a:pt x="33240" y="0"/>
+                  </a:moveTo>
+                  <a:lnTo>
+                    <a:pt x="3095229" y="0"/>
+                  </a:lnTo>
+                  <a:cubicBezTo>
+                    <a:pt x="3104045" y="0"/>
+                    <a:pt x="3112499" y="3502"/>
+                    <a:pt x="3118733" y="9736"/>
+                  </a:cubicBezTo>
+                  <a:cubicBezTo>
+                    <a:pt x="3124967" y="15969"/>
+                    <a:pt x="3128469" y="24424"/>
+                    <a:pt x="3128469" y="33240"/>
+                  </a:cubicBezTo>
+                  <a:lnTo>
+                    <a:pt x="3128469" y="345286"/>
+                  </a:lnTo>
+                  <a:cubicBezTo>
+                    <a:pt x="3128469" y="363644"/>
+                    <a:pt x="3113587" y="378526"/>
+                    <a:pt x="3095229" y="378526"/>
+                  </a:cubicBezTo>
+                  <a:lnTo>
+                    <a:pt x="33240" y="378526"/>
+                  </a:lnTo>
+                  <a:cubicBezTo>
+                    <a:pt x="14882" y="378526"/>
+                    <a:pt x="0" y="363644"/>
+                    <a:pt x="0" y="345286"/>
+                  </a:cubicBezTo>
+                  <a:lnTo>
+                    <a:pt x="0" y="33240"/>
+                  </a:lnTo>
+                  <a:cubicBezTo>
+                    <a:pt x="0" y="24424"/>
+                    <a:pt x="3502" y="15969"/>
+                    <a:pt x="9736" y="9736"/>
+                  </a:cubicBezTo>
+                  <a:cubicBezTo>
+                    <a:pt x="15969" y="3502"/>
+                    <a:pt x="24424" y="0"/>
+                    <a:pt x="33240" y="0"/>
+                  </a:cubicBezTo>
+                  <a:close/>
+                </a:path>
+              </a:pathLst>
+            </a:custGeom>
+            <a:solidFill>
+              <a:srgbClr val="858789">
+                <a:alpha val="40000"/>
+              </a:srgbClr>
+            </a:solidFill>
+            <a:ln w="19050" cap="rnd">
+              <a:solidFill>
+                <a:srgbClr val="243342">
+                  <a:alpha val="40000"/>
+                </a:srgbClr>
+              </a:solidFill>
+              <a:prstDash val="solid"/>
+              <a:round/>
+            </a:ln>
+          </p:spPr>
+        </p:sp>
+        <p:sp>
+          <p:nvSpPr>
+            <p:cNvPr name="TextBox 37" id="37"/>
+            <p:cNvSpPr txBox="true"/>
+            <p:nvPr/>
+          </p:nvSpPr>
+          <p:spPr>
+            <a:xfrm>
+              <a:off x="0" y="-38100"/>
+              <a:ext cx="3128469" cy="416626"/>
+            </a:xfrm>
+            <a:prstGeom prst="rect">
+              <a:avLst/>
+            </a:prstGeom>
+          </p:spPr>
+          <p:txBody>
+            <a:bodyPr anchor="ctr" rtlCol="false" tIns="50800" lIns="50800" bIns="50800" rIns="50800"/>
+            <a:lstStyle/>
+            <a:p>
+              <a:pPr algn="ctr">
+                <a:lnSpc>
+                  <a:spcPts val="3362"/>
+                </a:lnSpc>
+              </a:pPr>
+            </a:p>
+          </p:txBody>
+        </p:sp>
+      </p:grpSp>
+      <p:sp>
+        <p:nvSpPr>
+          <p:cNvPr name="TextBox 38" id="38"/>
+          <p:cNvSpPr txBox="true"/>
+          <p:nvPr/>
+        </p:nvSpPr>
+        <p:spPr>
+          <a:xfrm rot="0">
+            <a:off x="5456787" y="7919713"/>
+            <a:ext cx="7374427" cy="588645"/>
+          </a:xfrm>
+          <a:prstGeom prst="rect">
+            <a:avLst/>
+          </a:prstGeom>
+        </p:spPr>
+        <p:txBody>
+          <a:bodyPr anchor="t" rtlCol="false" tIns="0" lIns="0" bIns="0" rIns="0">
+            <a:spAutoFit/>
+          </a:bodyPr>
+          <a:lstStyle/>
+          <a:p>
+            <a:pPr algn="ctr">
+              <a:lnSpc>
+                <a:spcPts val="3779"/>
+              </a:lnSpc>
+            </a:pPr>
+            <a:r>
+              <a:rPr lang="en-US" sz="2700">
+                <a:solidFill>
+                  <a:srgbClr val="000000"/>
+                </a:solidFill>
+                <a:latin typeface="Karnchang"/>
+              </a:rPr>
+              <a:t>Jumlah total bobot pada model : 9680067</a:t>
             </a:r>
           </a:p>
         </p:txBody>
